--- a/Later/Spring/13_Scheduler/2/Schedule a Task at Fixed Delay.pptx
+++ b/Later/Spring/13_Scheduler/2/Schedule a Task at Fixed Delay.pptx
@@ -194,7 +194,7 @@
           <a:p>
             <a:fld id="{62274EC6-3890-417B-9308-14EFBD00FA63}" type="datetimeFigureOut">
               <a:rPr lang="en-US" smtClean="0"/>
-              <a:t>10/5/2018</a:t>
+              <a:t>10/9/2018</a:t>
             </a:fld>
             <a:endParaRPr lang="en-US" dirty="0"/>
           </a:p>
@@ -911,7 +911,7 @@
             <a:fld id="{1D8BD707-D9CF-40AE-B4C6-C98DA3205C09}" type="datetimeFigureOut">
               <a:rPr lang="en-US" smtClean="0"/>
               <a:pPr/>
-              <a:t>10/5/2018</a:t>
+              <a:t>10/9/2018</a:t>
             </a:fld>
             <a:endParaRPr lang="en-US" dirty="0"/>
           </a:p>
@@ -1083,7 +1083,7 @@
             <a:fld id="{1D8BD707-D9CF-40AE-B4C6-C98DA3205C09}" type="datetimeFigureOut">
               <a:rPr lang="en-US" smtClean="0"/>
               <a:pPr/>
-              <a:t>10/5/2018</a:t>
+              <a:t>10/9/2018</a:t>
             </a:fld>
             <a:endParaRPr lang="en-US" dirty="0"/>
           </a:p>
@@ -1265,7 +1265,7 @@
             <a:fld id="{1D8BD707-D9CF-40AE-B4C6-C98DA3205C09}" type="datetimeFigureOut">
               <a:rPr lang="en-US" smtClean="0"/>
               <a:pPr/>
-              <a:t>10/5/2018</a:t>
+              <a:t>10/9/2018</a:t>
             </a:fld>
             <a:endParaRPr lang="en-US" dirty="0"/>
           </a:p>
@@ -1437,7 +1437,7 @@
             <a:fld id="{1D8BD707-D9CF-40AE-B4C6-C98DA3205C09}" type="datetimeFigureOut">
               <a:rPr lang="en-US" smtClean="0"/>
               <a:pPr/>
-              <a:t>10/5/2018</a:t>
+              <a:t>10/9/2018</a:t>
             </a:fld>
             <a:endParaRPr lang="en-US" dirty="0"/>
           </a:p>
@@ -1685,7 +1685,7 @@
             <a:fld id="{1D8BD707-D9CF-40AE-B4C6-C98DA3205C09}" type="datetimeFigureOut">
               <a:rPr lang="en-US" smtClean="0"/>
               <a:pPr/>
-              <a:t>10/5/2018</a:t>
+              <a:t>10/9/2018</a:t>
             </a:fld>
             <a:endParaRPr lang="en-US" dirty="0"/>
           </a:p>
@@ -1975,7 +1975,7 @@
             <a:fld id="{1D8BD707-D9CF-40AE-B4C6-C98DA3205C09}" type="datetimeFigureOut">
               <a:rPr lang="en-US" smtClean="0"/>
               <a:pPr/>
-              <a:t>10/5/2018</a:t>
+              <a:t>10/9/2018</a:t>
             </a:fld>
             <a:endParaRPr lang="en-US" dirty="0"/>
           </a:p>
@@ -2404,7 +2404,7 @@
             <a:fld id="{1D8BD707-D9CF-40AE-B4C6-C98DA3205C09}" type="datetimeFigureOut">
               <a:rPr lang="en-US" smtClean="0"/>
               <a:pPr/>
-              <a:t>10/5/2018</a:t>
+              <a:t>10/9/2018</a:t>
             </a:fld>
             <a:endParaRPr lang="en-US" dirty="0"/>
           </a:p>
@@ -2524,7 +2524,7 @@
             <a:fld id="{1D8BD707-D9CF-40AE-B4C6-C98DA3205C09}" type="datetimeFigureOut">
               <a:rPr lang="en-US" smtClean="0"/>
               <a:pPr/>
-              <a:t>10/5/2018</a:t>
+              <a:t>10/9/2018</a:t>
             </a:fld>
             <a:endParaRPr lang="en-US" dirty="0"/>
           </a:p>
@@ -2621,7 +2621,7 @@
             <a:fld id="{1D8BD707-D9CF-40AE-B4C6-C98DA3205C09}" type="datetimeFigureOut">
               <a:rPr lang="en-US" smtClean="0"/>
               <a:pPr/>
-              <a:t>10/5/2018</a:t>
+              <a:t>10/9/2018</a:t>
             </a:fld>
             <a:endParaRPr lang="en-US" dirty="0"/>
           </a:p>
@@ -2900,7 +2900,7 @@
             <a:fld id="{1D8BD707-D9CF-40AE-B4C6-C98DA3205C09}" type="datetimeFigureOut">
               <a:rPr lang="en-US" smtClean="0"/>
               <a:pPr/>
-              <a:t>10/5/2018</a:t>
+              <a:t>10/9/2018</a:t>
             </a:fld>
             <a:endParaRPr lang="en-US" dirty="0"/>
           </a:p>
@@ -3155,7 +3155,7 @@
             <a:fld id="{1D8BD707-D9CF-40AE-B4C6-C98DA3205C09}" type="datetimeFigureOut">
               <a:rPr lang="en-US" smtClean="0"/>
               <a:pPr/>
-              <a:t>10/5/2018</a:t>
+              <a:t>10/9/2018</a:t>
             </a:fld>
             <a:endParaRPr lang="en-US" dirty="0"/>
           </a:p>
@@ -3370,7 +3370,7 @@
             <a:fld id="{1D8BD707-D9CF-40AE-B4C6-C98DA3205C09}" type="datetimeFigureOut">
               <a:rPr lang="en-US" smtClean="0"/>
               <a:pPr/>
-              <a:t>10/5/2018</a:t>
+              <a:t>10/9/2018</a:t>
             </a:fld>
             <a:endParaRPr lang="en-US" dirty="0"/>
           </a:p>
@@ -3769,7 +3769,7 @@
         </p:blipFill>
         <p:spPr bwMode="auto">
           <a:xfrm>
-            <a:off x="155575" y="1143000"/>
+            <a:off x="155575" y="801701"/>
             <a:ext cx="4997450" cy="2839944"/>
           </a:xfrm>
           <a:prstGeom prst="rect">
@@ -4053,7 +4053,7 @@
         </p:nvSpPr>
         <p:spPr>
           <a:xfrm>
-            <a:off x="5334000" y="1600200"/>
+            <a:off x="5334000" y="1258901"/>
             <a:ext cx="3657600" cy="2133600"/>
           </a:xfrm>
           <a:prstGeom prst="wedgeRoundRectCallout">
@@ -4162,7 +4162,7 @@
         </p:nvSpPr>
         <p:spPr>
           <a:xfrm>
-            <a:off x="3143249" y="815962"/>
+            <a:off x="3143249" y="474663"/>
             <a:ext cx="3048000" cy="654075"/>
           </a:xfrm>
           <a:prstGeom prst="wedgeRoundRectCallout">
@@ -4215,8 +4215,8 @@
         </p:nvSpPr>
         <p:spPr>
           <a:xfrm>
-            <a:off x="1028700" y="4038600"/>
-            <a:ext cx="7277099" cy="646331"/>
+            <a:off x="1028700" y="3697301"/>
+            <a:ext cx="7277099" cy="553998"/>
           </a:xfrm>
           <a:prstGeom prst="rect">
             <a:avLst/>
@@ -4243,15 +4243,15 @@
           <a:lstStyle/>
           <a:p>
             <a:r>
-              <a:rPr lang="en-US" sz="1200" dirty="0"/>
+              <a:rPr lang="en-US" sz="1000" dirty="0"/>
               <a:t>The simple rules that need to be followed to annotate a method with </a:t>
             </a:r>
             <a:r>
-              <a:rPr lang="en-US" sz="1200" i="1" dirty="0"/>
+              <a:rPr lang="en-US" sz="1000" i="1" dirty="0"/>
               <a:t>@Scheduled</a:t>
             </a:r>
             <a:r>
-              <a:rPr lang="en-US" sz="1200" dirty="0"/>
+              <a:rPr lang="en-US" sz="1000" dirty="0"/>
               <a:t> are:</a:t>
             </a:r>
           </a:p>
@@ -4261,7 +4261,7 @@
               <a:buAutoNum type="arabicPeriod"/>
             </a:pPr>
             <a:r>
-              <a:rPr lang="en-US" sz="1200" dirty="0"/>
+              <a:rPr lang="en-US" sz="1000" dirty="0"/>
               <a:t>a method should have void return type</a:t>
             </a:r>
           </a:p>
@@ -4271,9 +4271,120 @@
               <a:buAutoNum type="arabicPeriod"/>
             </a:pPr>
             <a:r>
+              <a:rPr lang="en-US" sz="1000" dirty="0"/>
+              <a:t>a method should not accept any parameters</a:t>
+            </a:r>
+          </a:p>
+        </p:txBody>
+      </p:sp>
+      <p:sp>
+        <p:nvSpPr>
+          <p:cNvPr id="10" name="Flowchart: Alternate Process 9"/>
+          <p:cNvSpPr/>
+          <p:nvPr/>
+        </p:nvSpPr>
+        <p:spPr>
+          <a:xfrm>
+            <a:off x="104775" y="4533900"/>
+            <a:ext cx="4416424" cy="342900"/>
+          </a:xfrm>
+          <a:prstGeom prst="flowChartAlternateProcess">
+            <a:avLst/>
+          </a:prstGeom>
+        </p:spPr>
+        <p:style>
+          <a:lnRef idx="1">
+            <a:schemeClr val="accent3"/>
+          </a:lnRef>
+          <a:fillRef idx="2">
+            <a:schemeClr val="accent3"/>
+          </a:fillRef>
+          <a:effectRef idx="1">
+            <a:schemeClr val="accent3"/>
+          </a:effectRef>
+          <a:fontRef idx="minor">
+            <a:schemeClr val="dk1"/>
+          </a:fontRef>
+        </p:style>
+        <p:txBody>
+          <a:bodyPr rtlCol="0" anchor="ctr"/>
+          <a:lstStyle/>
+          <a:p>
+            <a:pPr algn="ctr"/>
+            <a:r>
               <a:rPr lang="en-US" sz="1200" dirty="0"/>
-              <a:t>a method should not accept any parameters</a:t>
-            </a:r>
+              <a:t>@Scheduled(</a:t>
+            </a:r>
+            <a:r>
+              <a:rPr lang="en-US" sz="1200" dirty="0"/>
+              <a:t>fixedDelayString</a:t>
+            </a:r>
+            <a:r>
+              <a:rPr lang="en-US" sz="1200" dirty="0"/>
+              <a:t> = "${fixedDelay.in.milliseconds}")</a:t>
+            </a:r>
+          </a:p>
+        </p:txBody>
+      </p:sp>
+      <p:sp>
+        <p:nvSpPr>
+          <p:cNvPr id="11" name="Rounded Rectangular Callout 10"/>
+          <p:cNvSpPr/>
+          <p:nvPr/>
+        </p:nvSpPr>
+        <p:spPr>
+          <a:xfrm>
+            <a:off x="5334000" y="4419600"/>
+            <a:ext cx="3657600" cy="535686"/>
+          </a:xfrm>
+          <a:prstGeom prst="wedgeRoundRectCallout">
+            <a:avLst>
+              <a:gd name="adj1" fmla="val -71614"/>
+              <a:gd name="adj2" fmla="val 5335"/>
+              <a:gd name="adj3" fmla="val 16667"/>
+            </a:avLst>
+          </a:prstGeom>
+          <a:ln w="3175"/>
+        </p:spPr>
+        <p:style>
+          <a:lnRef idx="2">
+            <a:schemeClr val="accent4"/>
+          </a:lnRef>
+          <a:fillRef idx="1">
+            <a:schemeClr val="lt1"/>
+          </a:fillRef>
+          <a:effectRef idx="0">
+            <a:schemeClr val="accent4"/>
+          </a:effectRef>
+          <a:fontRef idx="minor">
+            <a:schemeClr val="dk1"/>
+          </a:fontRef>
+        </p:style>
+        <p:txBody>
+          <a:bodyPr rtlCol="0" anchor="ctr"/>
+          <a:lstStyle/>
+          <a:p>
+            <a:endParaRPr lang="en-US" sz="800" dirty="0" smtClean="0"/>
+          </a:p>
+          <a:p>
+            <a:r>
+              <a:rPr lang="en-US" sz="800" dirty="0" smtClean="0"/>
+              <a:t>Hardcoding </a:t>
+            </a:r>
+            <a:r>
+              <a:rPr lang="en-US" sz="800" dirty="0"/>
+              <a:t>these schedules is simple, but usually, you need to be able to control the schedule without re-compiling and re-deploying the entire app.</a:t>
+            </a:r>
+          </a:p>
+          <a:p>
+            <a:r>
+              <a:rPr lang="en-US" sz="800" dirty="0"/>
+              <a:t>We’ll make use of Spring Expressions to externalize the configuration of the tasks – and we’ll store these in properties files:</a:t>
+            </a:r>
+          </a:p>
+          <a:p>
+            <a:pPr algn="ctr"/>
+            <a:endParaRPr lang="en-US" sz="800" dirty="0"/>
           </a:p>
         </p:txBody>
       </p:sp>

--- a/Later/Spring/13_Scheduler/2/Schedule a Task at Fixed Delay.pptx
+++ b/Later/Spring/13_Scheduler/2/Schedule a Task at Fixed Delay.pptx
@@ -194,7 +194,7 @@
           <a:p>
             <a:fld id="{62274EC6-3890-417B-9308-14EFBD00FA63}" type="datetimeFigureOut">
               <a:rPr lang="en-US" smtClean="0"/>
-              <a:t>10/9/2018</a:t>
+              <a:t>10/11/2018</a:t>
             </a:fld>
             <a:endParaRPr lang="en-US" dirty="0"/>
           </a:p>
@@ -911,7 +911,7 @@
             <a:fld id="{1D8BD707-D9CF-40AE-B4C6-C98DA3205C09}" type="datetimeFigureOut">
               <a:rPr lang="en-US" smtClean="0"/>
               <a:pPr/>
-              <a:t>10/9/2018</a:t>
+              <a:t>10/11/2018</a:t>
             </a:fld>
             <a:endParaRPr lang="en-US" dirty="0"/>
           </a:p>
@@ -1083,7 +1083,7 @@
             <a:fld id="{1D8BD707-D9CF-40AE-B4C6-C98DA3205C09}" type="datetimeFigureOut">
               <a:rPr lang="en-US" smtClean="0"/>
               <a:pPr/>
-              <a:t>10/9/2018</a:t>
+              <a:t>10/11/2018</a:t>
             </a:fld>
             <a:endParaRPr lang="en-US" dirty="0"/>
           </a:p>
@@ -1265,7 +1265,7 @@
             <a:fld id="{1D8BD707-D9CF-40AE-B4C6-C98DA3205C09}" type="datetimeFigureOut">
               <a:rPr lang="en-US" smtClean="0"/>
               <a:pPr/>
-              <a:t>10/9/2018</a:t>
+              <a:t>10/11/2018</a:t>
             </a:fld>
             <a:endParaRPr lang="en-US" dirty="0"/>
           </a:p>
@@ -1437,7 +1437,7 @@
             <a:fld id="{1D8BD707-D9CF-40AE-B4C6-C98DA3205C09}" type="datetimeFigureOut">
               <a:rPr lang="en-US" smtClean="0"/>
               <a:pPr/>
-              <a:t>10/9/2018</a:t>
+              <a:t>10/11/2018</a:t>
             </a:fld>
             <a:endParaRPr lang="en-US" dirty="0"/>
           </a:p>
@@ -1685,7 +1685,7 @@
             <a:fld id="{1D8BD707-D9CF-40AE-B4C6-C98DA3205C09}" type="datetimeFigureOut">
               <a:rPr lang="en-US" smtClean="0"/>
               <a:pPr/>
-              <a:t>10/9/2018</a:t>
+              <a:t>10/11/2018</a:t>
             </a:fld>
             <a:endParaRPr lang="en-US" dirty="0"/>
           </a:p>
@@ -1975,7 +1975,7 @@
             <a:fld id="{1D8BD707-D9CF-40AE-B4C6-C98DA3205C09}" type="datetimeFigureOut">
               <a:rPr lang="en-US" smtClean="0"/>
               <a:pPr/>
-              <a:t>10/9/2018</a:t>
+              <a:t>10/11/2018</a:t>
             </a:fld>
             <a:endParaRPr lang="en-US" dirty="0"/>
           </a:p>
@@ -2404,7 +2404,7 @@
             <a:fld id="{1D8BD707-D9CF-40AE-B4C6-C98DA3205C09}" type="datetimeFigureOut">
               <a:rPr lang="en-US" smtClean="0"/>
               <a:pPr/>
-              <a:t>10/9/2018</a:t>
+              <a:t>10/11/2018</a:t>
             </a:fld>
             <a:endParaRPr lang="en-US" dirty="0"/>
           </a:p>
@@ -2524,7 +2524,7 @@
             <a:fld id="{1D8BD707-D9CF-40AE-B4C6-C98DA3205C09}" type="datetimeFigureOut">
               <a:rPr lang="en-US" smtClean="0"/>
               <a:pPr/>
-              <a:t>10/9/2018</a:t>
+              <a:t>10/11/2018</a:t>
             </a:fld>
             <a:endParaRPr lang="en-US" dirty="0"/>
           </a:p>
@@ -2621,7 +2621,7 @@
             <a:fld id="{1D8BD707-D9CF-40AE-B4C6-C98DA3205C09}" type="datetimeFigureOut">
               <a:rPr lang="en-US" smtClean="0"/>
               <a:pPr/>
-              <a:t>10/9/2018</a:t>
+              <a:t>10/11/2018</a:t>
             </a:fld>
             <a:endParaRPr lang="en-US" dirty="0"/>
           </a:p>
@@ -2900,7 +2900,7 @@
             <a:fld id="{1D8BD707-D9CF-40AE-B4C6-C98DA3205C09}" type="datetimeFigureOut">
               <a:rPr lang="en-US" smtClean="0"/>
               <a:pPr/>
-              <a:t>10/9/2018</a:t>
+              <a:t>10/11/2018</a:t>
             </a:fld>
             <a:endParaRPr lang="en-US" dirty="0"/>
           </a:p>
@@ -3155,7 +3155,7 @@
             <a:fld id="{1D8BD707-D9CF-40AE-B4C6-C98DA3205C09}" type="datetimeFigureOut">
               <a:rPr lang="en-US" smtClean="0"/>
               <a:pPr/>
-              <a:t>10/9/2018</a:t>
+              <a:t>10/11/2018</a:t>
             </a:fld>
             <a:endParaRPr lang="en-US" dirty="0"/>
           </a:p>
@@ -3370,7 +3370,7 @@
             <a:fld id="{1D8BD707-D9CF-40AE-B4C6-C98DA3205C09}" type="datetimeFigureOut">
               <a:rPr lang="en-US" smtClean="0"/>
               <a:pPr/>
-              <a:t>10/9/2018</a:t>
+              <a:t>10/11/2018</a:t>
             </a:fld>
             <a:endParaRPr lang="en-US" dirty="0"/>
           </a:p>
@@ -3911,14 +3911,349 @@
       </p:sp>
       <p:sp>
         <p:nvSpPr>
-          <p:cNvPr id="9" name="Rectangle 8"/>
+          <p:cNvPr id="5" name="Rounded Rectangular Callout 4"/>
           <p:cNvSpPr/>
           <p:nvPr/>
         </p:nvSpPr>
         <p:spPr>
           <a:xfrm>
-            <a:off x="3505200" y="35739"/>
-            <a:ext cx="2133601" cy="276999"/>
+            <a:off x="5334000" y="1258901"/>
+            <a:ext cx="3657600" cy="2133600"/>
+          </a:xfrm>
+          <a:prstGeom prst="wedgeRoundRectCallout">
+            <a:avLst>
+              <a:gd name="adj1" fmla="val -128221"/>
+              <a:gd name="adj2" fmla="val 17602"/>
+              <a:gd name="adj3" fmla="val 16667"/>
+            </a:avLst>
+          </a:prstGeom>
+          <a:ln w="3175"/>
+        </p:spPr>
+        <p:style>
+          <a:lnRef idx="2">
+            <a:schemeClr val="accent4"/>
+          </a:lnRef>
+          <a:fillRef idx="1">
+            <a:schemeClr val="lt1"/>
+          </a:fillRef>
+          <a:effectRef idx="0">
+            <a:schemeClr val="accent4"/>
+          </a:effectRef>
+          <a:fontRef idx="minor">
+            <a:schemeClr val="dk1"/>
+          </a:fontRef>
+        </p:style>
+        <p:txBody>
+          <a:bodyPr rtlCol="0" anchor="ctr"/>
+          <a:lstStyle/>
+          <a:p>
+            <a:pPr marL="228600" indent="-228600">
+              <a:buFont typeface="Wingdings" pitchFamily="2" charset="2"/>
+              <a:buChar char="ü"/>
+            </a:pPr>
+            <a:endParaRPr lang="en-US" sz="1200" dirty="0" smtClean="0"/>
+          </a:p>
+          <a:p>
+            <a:pPr marL="228600" indent="-228600">
+              <a:buFont typeface="Wingdings" pitchFamily="2" charset="2"/>
+              <a:buChar char="ü"/>
+            </a:pPr>
+            <a:r>
+              <a:rPr lang="en-US" sz="1200" dirty="0" smtClean="0"/>
+              <a:t>Here we have configured </a:t>
+            </a:r>
+            <a:r>
+              <a:rPr lang="en-US" sz="1200" dirty="0"/>
+              <a:t>a task to run after a fixed </a:t>
+            </a:r>
+            <a:r>
+              <a:rPr lang="en-US" sz="1200" dirty="0" smtClean="0"/>
+              <a:t>delay.</a:t>
+            </a:r>
+          </a:p>
+          <a:p>
+            <a:pPr marL="228600" indent="-228600">
+              <a:buFont typeface="Wingdings" pitchFamily="2" charset="2"/>
+              <a:buChar char="ü"/>
+            </a:pPr>
+            <a:endParaRPr lang="en-US" sz="1200" dirty="0"/>
+          </a:p>
+          <a:p>
+            <a:pPr marL="171450" indent="-171450">
+              <a:buFont typeface="Wingdings" pitchFamily="2" charset="2"/>
+              <a:buChar char="ü"/>
+            </a:pPr>
+            <a:r>
+              <a:rPr lang="en-US" sz="1200" dirty="0"/>
+              <a:t>In this case, the duration between the end of last execution and the start of next execution is fixed. The task always waits until the previous one is finished</a:t>
+            </a:r>
+            <a:r>
+              <a:rPr lang="en-US" sz="1200" dirty="0" smtClean="0"/>
+              <a:t>.</a:t>
+            </a:r>
+          </a:p>
+          <a:p>
+            <a:pPr marL="171450" indent="-171450">
+              <a:buFont typeface="Wingdings" pitchFamily="2" charset="2"/>
+              <a:buChar char="ü"/>
+            </a:pPr>
+            <a:endParaRPr lang="en-US" sz="1200" dirty="0"/>
+          </a:p>
+          <a:p>
+            <a:pPr marL="171450" indent="-171450">
+              <a:buFont typeface="Wingdings" pitchFamily="2" charset="2"/>
+              <a:buChar char="ü"/>
+            </a:pPr>
+            <a:r>
+              <a:rPr lang="en-US" sz="1200" dirty="0"/>
+              <a:t>This option should be used when it’s mandatory that the previous execution is completed before running again.</a:t>
+            </a:r>
+          </a:p>
+          <a:p>
+            <a:pPr marL="228600" indent="-228600">
+              <a:buFont typeface="Wingdings" pitchFamily="2" charset="2"/>
+              <a:buChar char="ü"/>
+            </a:pPr>
+            <a:endParaRPr lang="en-US" sz="1200" dirty="0"/>
+          </a:p>
+        </p:txBody>
+      </p:sp>
+      <p:sp>
+        <p:nvSpPr>
+          <p:cNvPr id="8" name="Rounded Rectangular Callout 7"/>
+          <p:cNvSpPr/>
+          <p:nvPr/>
+        </p:nvSpPr>
+        <p:spPr>
+          <a:xfrm>
+            <a:off x="3143249" y="474663"/>
+            <a:ext cx="3048000" cy="654075"/>
+          </a:xfrm>
+          <a:prstGeom prst="wedgeRoundRectCallout">
+            <a:avLst>
+              <a:gd name="adj1" fmla="val -105252"/>
+              <a:gd name="adj2" fmla="val 145941"/>
+              <a:gd name="adj3" fmla="val 16667"/>
+            </a:avLst>
+          </a:prstGeom>
+          <a:ln w="3175"/>
+        </p:spPr>
+        <p:style>
+          <a:lnRef idx="2">
+            <a:schemeClr val="accent4"/>
+          </a:lnRef>
+          <a:fillRef idx="1">
+            <a:schemeClr val="lt1"/>
+          </a:fillRef>
+          <a:effectRef idx="0">
+            <a:schemeClr val="accent4"/>
+          </a:effectRef>
+          <a:fontRef idx="minor">
+            <a:schemeClr val="dk1"/>
+          </a:fontRef>
+        </p:style>
+        <p:txBody>
+          <a:bodyPr rtlCol="0" anchor="ctr"/>
+          <a:lstStyle/>
+          <a:p>
+            <a:r>
+              <a:rPr lang="en-US" sz="1200" dirty="0">
+                <a:solidFill>
+                  <a:srgbClr val="FF0000"/>
+                </a:solidFill>
+              </a:rPr>
+              <a:t>@EnableScheduling</a:t>
+            </a:r>
+            <a:r>
+              <a:rPr lang="en-US" sz="1200" dirty="0"/>
+              <a:t> ensures that a background task executor is created. Without it, nothing gets scheduled.</a:t>
+            </a:r>
+          </a:p>
+        </p:txBody>
+      </p:sp>
+      <p:sp>
+        <p:nvSpPr>
+          <p:cNvPr id="6" name="Rectangle 5"/>
+          <p:cNvSpPr/>
+          <p:nvPr/>
+        </p:nvSpPr>
+        <p:spPr>
+          <a:xfrm>
+            <a:off x="1028700" y="3697301"/>
+            <a:ext cx="7277099" cy="553998"/>
+          </a:xfrm>
+          <a:prstGeom prst="rect">
+            <a:avLst/>
+          </a:prstGeom>
+        </p:spPr>
+        <p:style>
+          <a:lnRef idx="1">
+            <a:schemeClr val="accent4"/>
+          </a:lnRef>
+          <a:fillRef idx="3">
+            <a:schemeClr val="accent4"/>
+          </a:fillRef>
+          <a:effectRef idx="2">
+            <a:schemeClr val="accent4"/>
+          </a:effectRef>
+          <a:fontRef idx="minor">
+            <a:schemeClr val="lt1"/>
+          </a:fontRef>
+        </p:style>
+        <p:txBody>
+          <a:bodyPr wrap="square">
+            <a:spAutoFit/>
+          </a:bodyPr>
+          <a:lstStyle/>
+          <a:p>
+            <a:r>
+              <a:rPr lang="en-US" sz="1000" dirty="0"/>
+              <a:t>The simple rules that need to be followed to annotate a method with </a:t>
+            </a:r>
+            <a:r>
+              <a:rPr lang="en-US" sz="1000" i="1" dirty="0"/>
+              <a:t>@Scheduled</a:t>
+            </a:r>
+            <a:r>
+              <a:rPr lang="en-US" sz="1000" dirty="0"/>
+              <a:t> are:</a:t>
+            </a:r>
+          </a:p>
+          <a:p>
+            <a:pPr marL="685800" lvl="1" indent="-228600">
+              <a:buFont typeface="+mj-lt"/>
+              <a:buAutoNum type="arabicPeriod"/>
+            </a:pPr>
+            <a:r>
+              <a:rPr lang="en-US" sz="1000" dirty="0"/>
+              <a:t>a method should have void return type</a:t>
+            </a:r>
+          </a:p>
+          <a:p>
+            <a:pPr marL="685800" lvl="1" indent="-228600">
+              <a:buFont typeface="+mj-lt"/>
+              <a:buAutoNum type="arabicPeriod"/>
+            </a:pPr>
+            <a:r>
+              <a:rPr lang="en-US" sz="1000" dirty="0"/>
+              <a:t>a method should not accept any parameters</a:t>
+            </a:r>
+          </a:p>
+        </p:txBody>
+      </p:sp>
+      <p:sp>
+        <p:nvSpPr>
+          <p:cNvPr id="10" name="Flowchart: Alternate Process 9"/>
+          <p:cNvSpPr/>
+          <p:nvPr/>
+        </p:nvSpPr>
+        <p:spPr>
+          <a:xfrm>
+            <a:off x="104775" y="4533900"/>
+            <a:ext cx="4416424" cy="342900"/>
+          </a:xfrm>
+          <a:prstGeom prst="flowChartAlternateProcess">
+            <a:avLst/>
+          </a:prstGeom>
+        </p:spPr>
+        <p:style>
+          <a:lnRef idx="1">
+            <a:schemeClr val="accent3"/>
+          </a:lnRef>
+          <a:fillRef idx="2">
+            <a:schemeClr val="accent3"/>
+          </a:fillRef>
+          <a:effectRef idx="1">
+            <a:schemeClr val="accent3"/>
+          </a:effectRef>
+          <a:fontRef idx="minor">
+            <a:schemeClr val="dk1"/>
+          </a:fontRef>
+        </p:style>
+        <p:txBody>
+          <a:bodyPr rtlCol="0" anchor="ctr"/>
+          <a:lstStyle/>
+          <a:p>
+            <a:pPr algn="ctr"/>
+            <a:r>
+              <a:rPr lang="en-US" sz="1200" dirty="0"/>
+              <a:t>@Scheduled(fixedDelayString = "${fixedDelay.in.milliseconds}")</a:t>
+            </a:r>
+          </a:p>
+        </p:txBody>
+      </p:sp>
+      <p:sp>
+        <p:nvSpPr>
+          <p:cNvPr id="11" name="Rounded Rectangular Callout 10"/>
+          <p:cNvSpPr/>
+          <p:nvPr/>
+        </p:nvSpPr>
+        <p:spPr>
+          <a:xfrm>
+            <a:off x="5334000" y="4419600"/>
+            <a:ext cx="3657600" cy="535686"/>
+          </a:xfrm>
+          <a:prstGeom prst="wedgeRoundRectCallout">
+            <a:avLst>
+              <a:gd name="adj1" fmla="val -71614"/>
+              <a:gd name="adj2" fmla="val 5335"/>
+              <a:gd name="adj3" fmla="val 16667"/>
+            </a:avLst>
+          </a:prstGeom>
+          <a:ln w="3175"/>
+        </p:spPr>
+        <p:style>
+          <a:lnRef idx="2">
+            <a:schemeClr val="accent4"/>
+          </a:lnRef>
+          <a:fillRef idx="1">
+            <a:schemeClr val="lt1"/>
+          </a:fillRef>
+          <a:effectRef idx="0">
+            <a:schemeClr val="accent4"/>
+          </a:effectRef>
+          <a:fontRef idx="minor">
+            <a:schemeClr val="dk1"/>
+          </a:fontRef>
+        </p:style>
+        <p:txBody>
+          <a:bodyPr rtlCol="0" anchor="ctr"/>
+          <a:lstStyle/>
+          <a:p>
+            <a:endParaRPr lang="en-US" sz="800" dirty="0" smtClean="0"/>
+          </a:p>
+          <a:p>
+            <a:r>
+              <a:rPr lang="en-US" sz="800" dirty="0" smtClean="0"/>
+              <a:t>Hardcoding </a:t>
+            </a:r>
+            <a:r>
+              <a:rPr lang="en-US" sz="800" dirty="0"/>
+              <a:t>these schedules is simple, but usually, you need to be able to control the schedule without re-compiling and re-deploying the entire app.</a:t>
+            </a:r>
+          </a:p>
+          <a:p>
+            <a:r>
+              <a:rPr lang="en-US" sz="800" dirty="0"/>
+              <a:t>We’ll make use of Spring Expressions to externalize the configuration of the tasks – and we’ll store these in properties files:</a:t>
+            </a:r>
+          </a:p>
+          <a:p>
+            <a:pPr algn="ctr"/>
+            <a:endParaRPr lang="en-US" sz="800" dirty="0"/>
+          </a:p>
+        </p:txBody>
+      </p:sp>
+      <p:sp>
+        <p:nvSpPr>
+          <p:cNvPr id="12" name="Rectangle 11"/>
+          <p:cNvSpPr/>
+          <p:nvPr/>
+        </p:nvSpPr>
+        <p:spPr>
+          <a:xfrm>
+            <a:off x="2057400" y="35739"/>
+            <a:ext cx="5105400" cy="276999"/>
           </a:xfrm>
           <a:prstGeom prst="rect">
             <a:avLst/>
@@ -4038,353 +4373,28 @@
             </a:lvl9pPr>
           </a:lstStyle>
           <a:p>
+            <a:pPr algn="ctr"/>
             <a:r>
               <a:rPr lang="en-US" sz="1200" dirty="0"/>
-              <a:t>Schedule a Task at Fixed Delay</a:t>
-            </a:r>
-          </a:p>
-        </p:txBody>
-      </p:sp>
-      <p:sp>
-        <p:nvSpPr>
-          <p:cNvPr id="5" name="Rounded Rectangular Callout 4"/>
-          <p:cNvSpPr/>
-          <p:nvPr/>
-        </p:nvSpPr>
-        <p:spPr>
-          <a:xfrm>
-            <a:off x="5334000" y="1258901"/>
-            <a:ext cx="3657600" cy="2133600"/>
-          </a:xfrm>
-          <a:prstGeom prst="wedgeRoundRectCallout">
-            <a:avLst>
-              <a:gd name="adj1" fmla="val -128221"/>
-              <a:gd name="adj2" fmla="val 17602"/>
-              <a:gd name="adj3" fmla="val 16667"/>
-            </a:avLst>
-          </a:prstGeom>
-          <a:ln w="3175"/>
-        </p:spPr>
-        <p:style>
-          <a:lnRef idx="2">
-            <a:schemeClr val="accent4"/>
-          </a:lnRef>
-          <a:fillRef idx="1">
-            <a:schemeClr val="lt1"/>
-          </a:fillRef>
-          <a:effectRef idx="0">
-            <a:schemeClr val="accent4"/>
-          </a:effectRef>
-          <a:fontRef idx="minor">
-            <a:schemeClr val="dk1"/>
-          </a:fontRef>
-        </p:style>
-        <p:txBody>
-          <a:bodyPr rtlCol="0" anchor="ctr"/>
-          <a:lstStyle/>
-          <a:p>
-            <a:pPr marL="228600" indent="-228600">
-              <a:buFont typeface="Wingdings" pitchFamily="2" charset="2"/>
-              <a:buChar char="ü"/>
-            </a:pPr>
-            <a:endParaRPr lang="en-US" sz="1200" dirty="0" smtClean="0"/>
-          </a:p>
-          <a:p>
-            <a:pPr marL="228600" indent="-228600">
-              <a:buFont typeface="Wingdings" pitchFamily="2" charset="2"/>
-              <a:buChar char="ü"/>
-            </a:pPr>
+              <a:t>Schedule a Task at Fixed </a:t>
+            </a:r>
             <a:r>
               <a:rPr lang="en-US" sz="1200" dirty="0" smtClean="0"/>
-              <a:t>Here we have configured </a:t>
+              <a:t>Delay [</a:t>
             </a:r>
             <a:r>
               <a:rPr lang="en-US" sz="1200" dirty="0"/>
-              <a:t>a task to run after a fixed </a:t>
+              <a:t>Configuring scheduled tasks using </a:t>
             </a:r>
             <a:r>
               <a:rPr lang="en-US" sz="1200" dirty="0" smtClean="0"/>
-              <a:t>delay.</a:t>
-            </a:r>
-          </a:p>
-          <a:p>
-            <a:pPr marL="228600" indent="-228600">
-              <a:buFont typeface="Wingdings" pitchFamily="2" charset="2"/>
-              <a:buChar char="ü"/>
-            </a:pPr>
+              <a:t>Annotation</a:t>
+            </a:r>
+            <a:r>
+              <a:rPr lang="en-US" sz="1200" dirty="0" smtClean="0"/>
+              <a:t>]</a:t>
+            </a:r>
             <a:endParaRPr lang="en-US" sz="1200" dirty="0"/>
-          </a:p>
-          <a:p>
-            <a:pPr marL="171450" indent="-171450">
-              <a:buFont typeface="Wingdings" pitchFamily="2" charset="2"/>
-              <a:buChar char="ü"/>
-            </a:pPr>
-            <a:r>
-              <a:rPr lang="en-US" sz="1200" dirty="0"/>
-              <a:t>In this case, the duration between the end of last execution and the start of next execution is fixed. The task always waits until the previous one is finished</a:t>
-            </a:r>
-            <a:r>
-              <a:rPr lang="en-US" sz="1200" dirty="0" smtClean="0"/>
-              <a:t>.</a:t>
-            </a:r>
-          </a:p>
-          <a:p>
-            <a:pPr marL="171450" indent="-171450">
-              <a:buFont typeface="Wingdings" pitchFamily="2" charset="2"/>
-              <a:buChar char="ü"/>
-            </a:pPr>
-            <a:endParaRPr lang="en-US" sz="1200" dirty="0"/>
-          </a:p>
-          <a:p>
-            <a:pPr marL="171450" indent="-171450">
-              <a:buFont typeface="Wingdings" pitchFamily="2" charset="2"/>
-              <a:buChar char="ü"/>
-            </a:pPr>
-            <a:r>
-              <a:rPr lang="en-US" sz="1200" dirty="0"/>
-              <a:t>This option should be used when it’s mandatory that the previous execution is completed before running again.</a:t>
-            </a:r>
-          </a:p>
-          <a:p>
-            <a:pPr marL="228600" indent="-228600">
-              <a:buFont typeface="Wingdings" pitchFamily="2" charset="2"/>
-              <a:buChar char="ü"/>
-            </a:pPr>
-            <a:endParaRPr lang="en-US" sz="1200" dirty="0"/>
-          </a:p>
-        </p:txBody>
-      </p:sp>
-      <p:sp>
-        <p:nvSpPr>
-          <p:cNvPr id="8" name="Rounded Rectangular Callout 7"/>
-          <p:cNvSpPr/>
-          <p:nvPr/>
-        </p:nvSpPr>
-        <p:spPr>
-          <a:xfrm>
-            <a:off x="3143249" y="474663"/>
-            <a:ext cx="3048000" cy="654075"/>
-          </a:xfrm>
-          <a:prstGeom prst="wedgeRoundRectCallout">
-            <a:avLst>
-              <a:gd name="adj1" fmla="val -105252"/>
-              <a:gd name="adj2" fmla="val 145941"/>
-              <a:gd name="adj3" fmla="val 16667"/>
-            </a:avLst>
-          </a:prstGeom>
-          <a:ln w="3175"/>
-        </p:spPr>
-        <p:style>
-          <a:lnRef idx="2">
-            <a:schemeClr val="accent4"/>
-          </a:lnRef>
-          <a:fillRef idx="1">
-            <a:schemeClr val="lt1"/>
-          </a:fillRef>
-          <a:effectRef idx="0">
-            <a:schemeClr val="accent4"/>
-          </a:effectRef>
-          <a:fontRef idx="minor">
-            <a:schemeClr val="dk1"/>
-          </a:fontRef>
-        </p:style>
-        <p:txBody>
-          <a:bodyPr rtlCol="0" anchor="ctr"/>
-          <a:lstStyle/>
-          <a:p>
-            <a:r>
-              <a:rPr lang="en-US" sz="1200" dirty="0">
-                <a:solidFill>
-                  <a:srgbClr val="FF0000"/>
-                </a:solidFill>
-              </a:rPr>
-              <a:t>@EnableScheduling</a:t>
-            </a:r>
-            <a:r>
-              <a:rPr lang="en-US" sz="1200" dirty="0"/>
-              <a:t> ensures that a background task executor is created. Without it, nothing gets scheduled.</a:t>
-            </a:r>
-          </a:p>
-        </p:txBody>
-      </p:sp>
-      <p:sp>
-        <p:nvSpPr>
-          <p:cNvPr id="6" name="Rectangle 5"/>
-          <p:cNvSpPr/>
-          <p:nvPr/>
-        </p:nvSpPr>
-        <p:spPr>
-          <a:xfrm>
-            <a:off x="1028700" y="3697301"/>
-            <a:ext cx="7277099" cy="553998"/>
-          </a:xfrm>
-          <a:prstGeom prst="rect">
-            <a:avLst/>
-          </a:prstGeom>
-        </p:spPr>
-        <p:style>
-          <a:lnRef idx="1">
-            <a:schemeClr val="accent4"/>
-          </a:lnRef>
-          <a:fillRef idx="3">
-            <a:schemeClr val="accent4"/>
-          </a:fillRef>
-          <a:effectRef idx="2">
-            <a:schemeClr val="accent4"/>
-          </a:effectRef>
-          <a:fontRef idx="minor">
-            <a:schemeClr val="lt1"/>
-          </a:fontRef>
-        </p:style>
-        <p:txBody>
-          <a:bodyPr wrap="square">
-            <a:spAutoFit/>
-          </a:bodyPr>
-          <a:lstStyle/>
-          <a:p>
-            <a:r>
-              <a:rPr lang="en-US" sz="1000" dirty="0"/>
-              <a:t>The simple rules that need to be followed to annotate a method with </a:t>
-            </a:r>
-            <a:r>
-              <a:rPr lang="en-US" sz="1000" i="1" dirty="0"/>
-              <a:t>@Scheduled</a:t>
-            </a:r>
-            <a:r>
-              <a:rPr lang="en-US" sz="1000" dirty="0"/>
-              <a:t> are:</a:t>
-            </a:r>
-          </a:p>
-          <a:p>
-            <a:pPr marL="685800" lvl="1" indent="-228600">
-              <a:buFont typeface="+mj-lt"/>
-              <a:buAutoNum type="arabicPeriod"/>
-            </a:pPr>
-            <a:r>
-              <a:rPr lang="en-US" sz="1000" dirty="0"/>
-              <a:t>a method should have void return type</a:t>
-            </a:r>
-          </a:p>
-          <a:p>
-            <a:pPr marL="685800" lvl="1" indent="-228600">
-              <a:buFont typeface="+mj-lt"/>
-              <a:buAutoNum type="arabicPeriod"/>
-            </a:pPr>
-            <a:r>
-              <a:rPr lang="en-US" sz="1000" dirty="0"/>
-              <a:t>a method should not accept any parameters</a:t>
-            </a:r>
-          </a:p>
-        </p:txBody>
-      </p:sp>
-      <p:sp>
-        <p:nvSpPr>
-          <p:cNvPr id="10" name="Flowchart: Alternate Process 9"/>
-          <p:cNvSpPr/>
-          <p:nvPr/>
-        </p:nvSpPr>
-        <p:spPr>
-          <a:xfrm>
-            <a:off x="104775" y="4533900"/>
-            <a:ext cx="4416424" cy="342900"/>
-          </a:xfrm>
-          <a:prstGeom prst="flowChartAlternateProcess">
-            <a:avLst/>
-          </a:prstGeom>
-        </p:spPr>
-        <p:style>
-          <a:lnRef idx="1">
-            <a:schemeClr val="accent3"/>
-          </a:lnRef>
-          <a:fillRef idx="2">
-            <a:schemeClr val="accent3"/>
-          </a:fillRef>
-          <a:effectRef idx="1">
-            <a:schemeClr val="accent3"/>
-          </a:effectRef>
-          <a:fontRef idx="minor">
-            <a:schemeClr val="dk1"/>
-          </a:fontRef>
-        </p:style>
-        <p:txBody>
-          <a:bodyPr rtlCol="0" anchor="ctr"/>
-          <a:lstStyle/>
-          <a:p>
-            <a:pPr algn="ctr"/>
-            <a:r>
-              <a:rPr lang="en-US" sz="1200" dirty="0"/>
-              <a:t>@Scheduled(</a:t>
-            </a:r>
-            <a:r>
-              <a:rPr lang="en-US" sz="1200" dirty="0"/>
-              <a:t>fixedDelayString</a:t>
-            </a:r>
-            <a:r>
-              <a:rPr lang="en-US" sz="1200" dirty="0"/>
-              <a:t> = "${fixedDelay.in.milliseconds}")</a:t>
-            </a:r>
-          </a:p>
-        </p:txBody>
-      </p:sp>
-      <p:sp>
-        <p:nvSpPr>
-          <p:cNvPr id="11" name="Rounded Rectangular Callout 10"/>
-          <p:cNvSpPr/>
-          <p:nvPr/>
-        </p:nvSpPr>
-        <p:spPr>
-          <a:xfrm>
-            <a:off x="5334000" y="4419600"/>
-            <a:ext cx="3657600" cy="535686"/>
-          </a:xfrm>
-          <a:prstGeom prst="wedgeRoundRectCallout">
-            <a:avLst>
-              <a:gd name="adj1" fmla="val -71614"/>
-              <a:gd name="adj2" fmla="val 5335"/>
-              <a:gd name="adj3" fmla="val 16667"/>
-            </a:avLst>
-          </a:prstGeom>
-          <a:ln w="3175"/>
-        </p:spPr>
-        <p:style>
-          <a:lnRef idx="2">
-            <a:schemeClr val="accent4"/>
-          </a:lnRef>
-          <a:fillRef idx="1">
-            <a:schemeClr val="lt1"/>
-          </a:fillRef>
-          <a:effectRef idx="0">
-            <a:schemeClr val="accent4"/>
-          </a:effectRef>
-          <a:fontRef idx="minor">
-            <a:schemeClr val="dk1"/>
-          </a:fontRef>
-        </p:style>
-        <p:txBody>
-          <a:bodyPr rtlCol="0" anchor="ctr"/>
-          <a:lstStyle/>
-          <a:p>
-            <a:endParaRPr lang="en-US" sz="800" dirty="0" smtClean="0"/>
-          </a:p>
-          <a:p>
-            <a:r>
-              <a:rPr lang="en-US" sz="800" dirty="0" smtClean="0"/>
-              <a:t>Hardcoding </a:t>
-            </a:r>
-            <a:r>
-              <a:rPr lang="en-US" sz="800" dirty="0"/>
-              <a:t>these schedules is simple, but usually, you need to be able to control the schedule without re-compiling and re-deploying the entire app.</a:t>
-            </a:r>
-          </a:p>
-          <a:p>
-            <a:r>
-              <a:rPr lang="en-US" sz="800" dirty="0"/>
-              <a:t>We’ll make use of Spring Expressions to externalize the configuration of the tasks – and we’ll store these in properties files:</a:t>
-            </a:r>
-          </a:p>
-          <a:p>
-            <a:pPr algn="ctr"/>
-            <a:endParaRPr lang="en-US" sz="800" dirty="0"/>
           </a:p>
         </p:txBody>
       </p:sp>
@@ -4598,14 +4608,14 @@
       </p:pic>
       <p:sp>
         <p:nvSpPr>
-          <p:cNvPr id="8" name="Rectangle 7"/>
+          <p:cNvPr id="7" name="Rectangle 6"/>
           <p:cNvSpPr/>
           <p:nvPr/>
         </p:nvSpPr>
         <p:spPr>
           <a:xfrm>
-            <a:off x="3505200" y="35739"/>
-            <a:ext cx="2133601" cy="276999"/>
+            <a:off x="2057400" y="35739"/>
+            <a:ext cx="5105400" cy="276999"/>
           </a:xfrm>
           <a:prstGeom prst="rect">
             <a:avLst/>
@@ -4725,10 +4735,28 @@
             </a:lvl9pPr>
           </a:lstStyle>
           <a:p>
+            <a:pPr algn="ctr"/>
             <a:r>
               <a:rPr lang="en-US" sz="1200" dirty="0"/>
-              <a:t>Schedule a Task at Fixed Delay</a:t>
-            </a:r>
+              <a:t>Schedule a Task at Fixed </a:t>
+            </a:r>
+            <a:r>
+              <a:rPr lang="en-US" sz="1200" dirty="0" smtClean="0"/>
+              <a:t>Delay [</a:t>
+            </a:r>
+            <a:r>
+              <a:rPr lang="en-US" sz="1200" dirty="0"/>
+              <a:t>Configuring scheduled tasks using </a:t>
+            </a:r>
+            <a:r>
+              <a:rPr lang="en-US" sz="1200" dirty="0" smtClean="0"/>
+              <a:t>Annotation</a:t>
+            </a:r>
+            <a:r>
+              <a:rPr lang="en-US" sz="1200" dirty="0" smtClean="0"/>
+              <a:t>]</a:t>
+            </a:r>
+            <a:endParaRPr lang="en-US" sz="1200" dirty="0"/>
           </a:p>
         </p:txBody>
       </p:sp>
@@ -4988,14 +5016,14 @@
       </p:pic>
       <p:sp>
         <p:nvSpPr>
-          <p:cNvPr id="9" name="Rectangle 8"/>
+          <p:cNvPr id="8" name="Rectangle 7"/>
           <p:cNvSpPr/>
           <p:nvPr/>
         </p:nvSpPr>
         <p:spPr>
           <a:xfrm>
-            <a:off x="3505200" y="35739"/>
-            <a:ext cx="2133601" cy="276999"/>
+            <a:off x="2057400" y="35739"/>
+            <a:ext cx="5105400" cy="276999"/>
           </a:xfrm>
           <a:prstGeom prst="rect">
             <a:avLst/>
@@ -5115,10 +5143,28 @@
             </a:lvl9pPr>
           </a:lstStyle>
           <a:p>
+            <a:pPr algn="ctr"/>
             <a:r>
               <a:rPr lang="en-US" sz="1200" dirty="0"/>
-              <a:t>Schedule a Task at Fixed Delay</a:t>
-            </a:r>
+              <a:t>Schedule a Task at Fixed </a:t>
+            </a:r>
+            <a:r>
+              <a:rPr lang="en-US" sz="1200" dirty="0" smtClean="0"/>
+              <a:t>Delay [</a:t>
+            </a:r>
+            <a:r>
+              <a:rPr lang="en-US" sz="1200" dirty="0"/>
+              <a:t>Configuring scheduled tasks using </a:t>
+            </a:r>
+            <a:r>
+              <a:rPr lang="en-US" sz="1200" dirty="0" smtClean="0"/>
+              <a:t>Annotation</a:t>
+            </a:r>
+            <a:r>
+              <a:rPr lang="en-US" sz="1200" dirty="0" smtClean="0"/>
+              <a:t>]</a:t>
+            </a:r>
+            <a:endParaRPr lang="en-US" sz="1200" dirty="0"/>
           </a:p>
         </p:txBody>
       </p:sp>
